--- a/PitchSmurf Pitch.pptx
+++ b/PitchSmurf Pitch.pptx
@@ -7,7 +7,8 @@
   <p:sldIdLst>
     <p:sldId id="256" r:id="rId2"/>
     <p:sldId id="257" r:id="rId3"/>
-    <p:sldId id="258" r:id="rId4"/>
+    <p:sldId id="260" r:id="rId4"/>
+    <p:sldId id="259" r:id="rId5"/>
   </p:sldIdLst>
   <p:sldSz cx="12192000" cy="6858000"/>
   <p:notesSz cx="6858000" cy="9144000"/>
@@ -106,6 +107,11 @@
       </a:defRPr>
     </a:lvl9pPr>
   </p:defaultTextStyle>
+  <p:extLst>
+    <p:ext uri="{EFAFB233-063F-42B5-8137-9DF3F51BA10A}">
+      <p15:sldGuideLst xmlns:p15="http://schemas.microsoft.com/office/powerpoint/2012/main"/>
+    </p:ext>
+  </p:extLst>
 </p:presentation>
 </file>
 
@@ -353,7 +359,7 @@
           <a:p>
             <a:fld id="{9184DA70-C731-4C70-880D-CCD4705E623C}" type="datetime1">
               <a:rPr lang="en-US" smtClean="0"/>
-              <a:t>12/11/2020</a:t>
+              <a:t>12/13/2020</a:t>
             </a:fld>
             <a:endParaRPr lang="en-US" dirty="0"/>
           </a:p>
@@ -541,7 +547,7 @@
           <a:p>
             <a:fld id="{B612A279-0833-481D-8C56-F67FD0AC6C50}" type="datetime1">
               <a:rPr lang="en-US" smtClean="0"/>
-              <a:t>12/11/2020</a:t>
+              <a:t>12/13/2020</a:t>
             </a:fld>
             <a:endParaRPr lang="en-US" dirty="0"/>
           </a:p>
@@ -783,7 +789,7 @@
           <a:p>
             <a:fld id="{6587DA83-5663-4C9C-B9AA-0B40A3DAFF81}" type="datetime1">
               <a:rPr lang="en-US" smtClean="0"/>
-              <a:t>12/11/2020</a:t>
+              <a:t>12/13/2020</a:t>
             </a:fld>
             <a:endParaRPr lang="en-US" dirty="0"/>
           </a:p>
@@ -971,7 +977,7 @@
           <a:p>
             <a:fld id="{4BE1D723-8F53-4F53-90B0-1982A396982E}" type="datetime1">
               <a:rPr lang="en-US" smtClean="0"/>
-              <a:t>12/11/2020</a:t>
+              <a:t>12/13/2020</a:t>
             </a:fld>
             <a:endParaRPr lang="en-US" dirty="0"/>
           </a:p>
@@ -1344,7 +1350,7 @@
           <a:p>
             <a:fld id="{97669AF7-7BEB-44E4-9852-375E34362B5B}" type="datetime1">
               <a:rPr lang="en-US" smtClean="0"/>
-              <a:t>12/11/2020</a:t>
+              <a:t>12/13/2020</a:t>
             </a:fld>
             <a:endParaRPr lang="en-US" dirty="0"/>
           </a:p>
@@ -1599,7 +1605,7 @@
           <a:p>
             <a:fld id="{BAAAC38D-0552-4C82-B593-E6124DFADBE2}" type="datetime1">
               <a:rPr lang="en-US" smtClean="0"/>
-              <a:t>12/11/2020</a:t>
+              <a:t>12/13/2020</a:t>
             </a:fld>
             <a:endParaRPr lang="en-US" dirty="0"/>
           </a:p>
@@ -1996,7 +2002,7 @@
           <a:p>
             <a:fld id="{D9DF0F1C-5577-4ACB-BB62-DF8F3C494C7E}" type="datetime1">
               <a:rPr lang="en-US" smtClean="0"/>
-              <a:t>12/11/2020</a:t>
+              <a:t>12/13/2020</a:t>
             </a:fld>
             <a:endParaRPr lang="en-US" dirty="0"/>
           </a:p>
@@ -2132,7 +2138,7 @@
           <a:p>
             <a:fld id="{1775B394-D9F9-4F0C-B15D-605F45CB9E9F}" type="datetime1">
               <a:rPr lang="en-US" smtClean="0"/>
-              <a:t>12/11/2020</a:t>
+              <a:t>12/13/2020</a:t>
             </a:fld>
             <a:endParaRPr lang="en-US" dirty="0"/>
           </a:p>
@@ -2289,7 +2295,7 @@
           <a:p>
             <a:fld id="{39667345-2558-425A-8533-9BFDBCE15005}" type="datetime1">
               <a:rPr lang="en-US" smtClean="0"/>
-              <a:t>12/11/2020</a:t>
+              <a:t>12/13/2020</a:t>
             </a:fld>
             <a:endParaRPr lang="en-US" dirty="0"/>
           </a:p>
@@ -2618,7 +2624,7 @@
           <a:p>
             <a:fld id="{92BEA474-078D-4E9B-9B14-09A87B19DC46}" type="datetime1">
               <a:rPr lang="en-US" smtClean="0"/>
-              <a:t>12/11/2020</a:t>
+              <a:t>12/13/2020</a:t>
             </a:fld>
             <a:endParaRPr lang="en-US" dirty="0"/>
           </a:p>
@@ -2968,7 +2974,7 @@
           <a:p>
             <a:fld id="{4907D986-8816-4272-A432-0437A28A9828}" type="datetime1">
               <a:rPr lang="en-US" smtClean="0"/>
-              <a:t>12/11/2020</a:t>
+              <a:t>12/13/2020</a:t>
             </a:fld>
             <a:endParaRPr lang="en-US" dirty="0"/>
           </a:p>
@@ -3229,7 +3235,7 @@
           <a:p>
             <a:fld id="{62D6E202-B606-4609-B914-27C9371A1F6D}" type="datetime1">
               <a:rPr lang="en-US" smtClean="0"/>
-              <a:t>12/11/2020</a:t>
+              <a:t>12/13/2020</a:t>
             </a:fld>
             <a:endParaRPr lang="en-US" dirty="0"/>
           </a:p>
@@ -4101,12 +4107,6 @@
           <a:p>
             <a:r>
               <a:rPr lang="en-US" dirty="0"/>
-              <a:t>Also provide Social Media Engagement data points (Not just number of followers)</a:t>
-            </a:r>
-          </a:p>
-          <a:p>
-            <a:r>
-              <a:rPr lang="en-US" dirty="0"/>
               <a:t>All of this data is presented as a PowerPoint.</a:t>
             </a:r>
           </a:p>
@@ -4185,7 +4185,7 @@
           <p:cNvPr id="2" name="Title 1">
             <a:extLst>
               <a:ext uri="{FF2B5EF4-FFF2-40B4-BE49-F238E27FC236}">
-                <a16:creationId xmlns:a16="http://schemas.microsoft.com/office/drawing/2014/main" id="{280A8F2E-1362-4F03-9815-730692F61416}"/>
+                <a16:creationId xmlns:a16="http://schemas.microsoft.com/office/drawing/2014/main" id="{B4A80091-5B9E-4C4D-9C09-08209787252D}"/>
               </a:ext>
             </a:extLst>
           </p:cNvPr>
@@ -4196,123 +4196,214 @@
             <p:ph type="title"/>
           </p:nvPr>
         </p:nvSpPr>
+        <p:spPr>
+          <a:xfrm>
+            <a:off x="1097280" y="286603"/>
+            <a:ext cx="9332595" cy="799247"/>
+          </a:xfrm>
+        </p:spPr>
+        <p:txBody>
+          <a:bodyPr>
+            <a:normAutofit fontScale="90000"/>
+          </a:bodyPr>
+          <a:lstStyle/>
+          <a:p>
+            <a:r>
+              <a:rPr lang="en-US" dirty="0"/>
+              <a:t>Stock Prediction and Modeling</a:t>
+            </a:r>
+          </a:p>
+        </p:txBody>
+      </p:sp>
+      <p:sp>
+        <p:nvSpPr>
+          <p:cNvPr id="3" name="Content Placeholder 2">
+            <a:extLst>
+              <a:ext uri="{FF2B5EF4-FFF2-40B4-BE49-F238E27FC236}">
+                <a16:creationId xmlns:a16="http://schemas.microsoft.com/office/drawing/2014/main" id="{3655F8D2-2D07-40D5-BFB7-3AD6010CBF43}"/>
+              </a:ext>
+            </a:extLst>
+          </p:cNvPr>
+          <p:cNvSpPr>
+            <a:spLocks noGrp="1"/>
+          </p:cNvSpPr>
+          <p:nvPr>
+            <p:ph sz="half" idx="1"/>
+          </p:nvPr>
+        </p:nvSpPr>
+        <p:spPr>
+          <a:xfrm>
+            <a:off x="325755" y="2135555"/>
+            <a:ext cx="4427220" cy="4189045"/>
+          </a:xfrm>
+        </p:spPr>
+        <p:txBody>
+          <a:bodyPr>
+            <a:normAutofit fontScale="92500" lnSpcReduction="20000"/>
+          </a:bodyPr>
+          <a:lstStyle/>
+          <a:p>
+            <a:r>
+              <a:rPr lang="en-US" b="0" i="0" dirty="0">
+                <a:effectLst/>
+                <a:latin typeface="Google Sans"/>
+              </a:rPr>
+              <a:t>Long short-term memory Model</a:t>
+            </a:r>
+          </a:p>
+          <a:p>
+            <a:pPr lvl="1"/>
+            <a:r>
+              <a:rPr lang="en-US" dirty="0"/>
+              <a:t>Recurrent AI Neural Network (deep learning) with feedback connections so it can process </a:t>
+            </a:r>
+            <a:r>
+              <a:rPr lang="en-US" b="1" dirty="0"/>
+              <a:t>entire sequences of data </a:t>
+            </a:r>
+            <a:r>
+              <a:rPr lang="en-US" dirty="0"/>
+              <a:t>vs traditional 1 point.</a:t>
+            </a:r>
+          </a:p>
+          <a:p>
+            <a:pPr marL="0">
+              <a:buNone/>
+            </a:pPr>
+            <a:r>
+              <a:rPr lang="en-US" dirty="0">
+                <a:latin typeface="Google Sans"/>
+              </a:rPr>
+              <a:t>  Transformer Model</a:t>
+            </a:r>
+          </a:p>
+          <a:p>
+            <a:pPr lvl="1">
+              <a:buFont typeface="Arial" panose="020B0604020202020204" pitchFamily="34" charset="0"/>
+              <a:buChar char="•"/>
+            </a:pPr>
+            <a:r>
+              <a:rPr lang="en-US" b="0" i="0" dirty="0">
+                <a:effectLst/>
+                <a:latin typeface="Google Sans"/>
+              </a:rPr>
+              <a:t>The LSTM model is used to train </a:t>
+            </a:r>
+            <a:r>
+              <a:rPr lang="en-US" dirty="0">
+                <a:latin typeface="Google Sans"/>
+              </a:rPr>
+              <a:t>the </a:t>
+            </a:r>
+            <a:r>
+              <a:rPr lang="en-US" b="0" i="0" dirty="0">
+                <a:effectLst/>
+                <a:latin typeface="Google Sans"/>
+              </a:rPr>
+              <a:t>Transformer model (deep learning recurrent neural network). This model is designed to handle sequential data including layering so we can correlate sequential data of </a:t>
+            </a:r>
+            <a:r>
+              <a:rPr lang="en-US" b="0" i="0">
+                <a:effectLst/>
+                <a:latin typeface="Google Sans"/>
+              </a:rPr>
+              <a:t>different types. </a:t>
+            </a:r>
+            <a:endParaRPr lang="en-US" b="0" i="0" dirty="0">
+              <a:effectLst/>
+              <a:latin typeface="Google Sans"/>
+            </a:endParaRPr>
+          </a:p>
+          <a:p>
+            <a:pPr marL="0" indent="0">
+              <a:buNone/>
+            </a:pPr>
+            <a:r>
+              <a:rPr lang="en-US" b="0" i="0" dirty="0">
+                <a:effectLst/>
+                <a:latin typeface="Google Sans"/>
+              </a:rPr>
+              <a:t>  Pandas (Python Library) </a:t>
+            </a:r>
+            <a:r>
+              <a:rPr lang="en-US" b="0" i="0" dirty="0" err="1">
+                <a:effectLst/>
+                <a:latin typeface="Google Sans"/>
+              </a:rPr>
+              <a:t>Datareader</a:t>
+            </a:r>
+            <a:endParaRPr lang="en-US" b="0" i="0" dirty="0">
+              <a:effectLst/>
+              <a:latin typeface="Google Sans"/>
+            </a:endParaRPr>
+          </a:p>
+          <a:p>
+            <a:pPr lvl="1">
+              <a:buFont typeface="Arial" panose="020B0604020202020204" pitchFamily="34" charset="0"/>
+              <a:buChar char="•"/>
+            </a:pPr>
+            <a:r>
+              <a:rPr lang="en-US" dirty="0">
+                <a:latin typeface="Google Sans"/>
+              </a:rPr>
+              <a:t>U</a:t>
+            </a:r>
+            <a:r>
+              <a:rPr lang="en-US" b="0" i="0" dirty="0">
+                <a:effectLst/>
+                <a:latin typeface="Google Sans"/>
+              </a:rPr>
+              <a:t>sed to gather all historic data to train the model</a:t>
+            </a:r>
+          </a:p>
+          <a:p>
+            <a:pPr lvl="1">
+              <a:buFont typeface="Arial" panose="020B0604020202020204" pitchFamily="34" charset="0"/>
+              <a:buChar char="•"/>
+            </a:pPr>
+            <a:r>
+              <a:rPr lang="en-US" b="0" i="0" dirty="0">
+                <a:effectLst/>
+                <a:latin typeface="Google Sans"/>
+              </a:rPr>
+              <a:t>This approach allows us to keep historic P/E and P/B value while training the model</a:t>
+            </a:r>
+          </a:p>
+          <a:p>
+            <a:pPr marL="0">
+              <a:buNone/>
+            </a:pPr>
+            <a:endParaRPr lang="en-US" dirty="0"/>
+          </a:p>
+        </p:txBody>
+      </p:sp>
+      <p:sp>
+        <p:nvSpPr>
+          <p:cNvPr id="4" name="Content Placeholder 3">
+            <a:extLst>
+              <a:ext uri="{FF2B5EF4-FFF2-40B4-BE49-F238E27FC236}">
+                <a16:creationId xmlns:a16="http://schemas.microsoft.com/office/drawing/2014/main" id="{E7D2F889-DE98-46C5-86F6-AA2792979384}"/>
+              </a:ext>
+            </a:extLst>
+          </p:cNvPr>
+          <p:cNvSpPr>
+            <a:spLocks noGrp="1"/>
+          </p:cNvSpPr>
+          <p:nvPr>
+            <p:ph sz="half" idx="2"/>
+          </p:nvPr>
+        </p:nvSpPr>
         <p:spPr/>
         <p:txBody>
-          <a:bodyPr/>
-          <a:lstStyle/>
-          <a:p>
-            <a:endParaRPr lang="en-US"/>
-          </a:p>
-        </p:txBody>
-      </p:sp>
-      <p:sp>
-        <p:nvSpPr>
-          <p:cNvPr id="3" name="Content Placeholder 2">
-            <a:extLst>
-              <a:ext uri="{FF2B5EF4-FFF2-40B4-BE49-F238E27FC236}">
-                <a16:creationId xmlns:a16="http://schemas.microsoft.com/office/drawing/2014/main" id="{3A7D08CE-CE0C-4C97-BCB8-B87DA25146D9}"/>
-              </a:ext>
-            </a:extLst>
-          </p:cNvPr>
-          <p:cNvSpPr>
-            <a:spLocks noGrp="1"/>
-          </p:cNvSpPr>
-          <p:nvPr>
-            <p:ph idx="1"/>
-          </p:nvPr>
-        </p:nvSpPr>
-        <p:spPr/>
-        <p:txBody>
-          <a:bodyPr/>
+          <a:bodyPr>
+            <a:normAutofit fontScale="92500" lnSpcReduction="20000"/>
+          </a:bodyPr>
           <a:lstStyle/>
           <a:p>
             <a:r>
               <a:rPr lang="en-US" dirty="0"/>
-              <a:t>Slide to answer questions about financial modeling. </a:t>
-            </a:r>
-            <a:r>
-              <a:rPr lang="en-US" dirty="0" err="1"/>
-              <a:t>Xnot</a:t>
-            </a:r>
-            <a:r>
-              <a:rPr lang="en-US" dirty="0"/>
-              <a:t> slide just presentation point and then talk about it, especially how you get data quickly</a:t>
-            </a:r>
-          </a:p>
-          <a:p>
-            <a:endParaRPr lang="en-US" dirty="0"/>
-          </a:p>
-          <a:p>
-            <a:r>
-              <a:rPr lang="en-US" dirty="0"/>
-              <a:t>Flow map</a:t>
-            </a:r>
-          </a:p>
-          <a:p>
-            <a:pPr marL="0" indent="0">
-              <a:buNone/>
-            </a:pPr>
-            <a:r>
-              <a:rPr lang="en-US" dirty="0"/>
-              <a:t> - Flask App &gt; </a:t>
-            </a:r>
-            <a:r>
-              <a:rPr lang="en-US" dirty="0" err="1"/>
-              <a:t>ui</a:t>
-            </a:r>
-            <a:r>
-              <a:rPr lang="en-US" dirty="0"/>
-              <a:t> &gt; input company &gt; post request &gt; scrape data</a:t>
-            </a:r>
-          </a:p>
-          <a:p>
-            <a:pPr marL="0" indent="0">
-              <a:buNone/>
-            </a:pPr>
-            <a:endParaRPr lang="en-US" dirty="0"/>
-          </a:p>
-          <a:p>
-            <a:pPr marL="0" indent="0">
-              <a:buNone/>
-            </a:pPr>
-            <a:r>
-              <a:rPr lang="en-US" dirty="0"/>
-              <a:t>	Presentation total is 7 min</a:t>
-            </a:r>
-          </a:p>
-          <a:p>
-            <a:pPr marL="0" indent="0">
-              <a:buNone/>
-            </a:pPr>
-            <a:r>
-              <a:rPr lang="en-US" dirty="0"/>
-              <a:t>	</a:t>
-            </a:r>
-          </a:p>
-        </p:txBody>
-      </p:sp>
-      <p:sp>
-        <p:nvSpPr>
-          <p:cNvPr id="4" name="Text Placeholder 3">
-            <a:extLst>
-              <a:ext uri="{FF2B5EF4-FFF2-40B4-BE49-F238E27FC236}">
-                <a16:creationId xmlns:a16="http://schemas.microsoft.com/office/drawing/2014/main" id="{B88B6BC2-DC4C-4C21-BE16-FF3828DB0D07}"/>
-              </a:ext>
-            </a:extLst>
-          </p:cNvPr>
-          <p:cNvSpPr>
-            <a:spLocks noGrp="1"/>
-          </p:cNvSpPr>
-          <p:nvPr>
-            <p:ph type="body" sz="half" idx="2"/>
-          </p:nvPr>
-        </p:nvSpPr>
-        <p:spPr/>
-        <p:txBody>
-          <a:bodyPr/>
-          <a:lstStyle/>
-          <a:p>
-            <a:endParaRPr lang="en-US" dirty="0"/>
+              <a:t>Sample output of completed model trained on TTM data for GOOG (Alphabet Inc.)</a:t>
+            </a:r>
           </a:p>
         </p:txBody>
       </p:sp>
@@ -4321,7 +4412,7 @@
           <p:cNvPr id="6" name="Picture 5">
             <a:extLst>
               <a:ext uri="{FF2B5EF4-FFF2-40B4-BE49-F238E27FC236}">
-                <a16:creationId xmlns:a16="http://schemas.microsoft.com/office/drawing/2014/main" id="{375F6B1E-AFE9-4D4C-B4C2-F8ACB69D38D6}"/>
+                <a16:creationId xmlns:a16="http://schemas.microsoft.com/office/drawing/2014/main" id="{8A8F6501-A0B7-4756-AA37-D3B654030BEB}"/>
               </a:ext>
             </a:extLst>
           </p:cNvPr>
@@ -4330,26 +4421,607 @@
           </p:cNvPicPr>
           <p:nvPr/>
         </p:nvPicPr>
+        <p:blipFill rotWithShape="1">
+          <a:blip r:embed="rId2"/>
+          <a:srcRect l="2854"/>
+          <a:stretch/>
+        </p:blipFill>
+        <p:spPr>
+          <a:xfrm>
+            <a:off x="4752974" y="2733675"/>
+            <a:ext cx="7528001" cy="3135419"/>
+          </a:xfrm>
+          <a:prstGeom prst="rect">
+            <a:avLst/>
+          </a:prstGeom>
+        </p:spPr>
+      </p:pic>
+    </p:spTree>
+    <p:extLst>
+      <p:ext uri="{BB962C8B-B14F-4D97-AF65-F5344CB8AC3E}">
+        <p14:creationId xmlns:p14="http://schemas.microsoft.com/office/powerpoint/2010/main" val="3823348548"/>
+      </p:ext>
+    </p:extLst>
+  </p:cSld>
+  <p:clrMapOvr>
+    <a:masterClrMapping/>
+  </p:clrMapOvr>
+</p:sld>
+</file>
+
+<file path=ppt/slides/slide4.xml><?xml version="1.0" encoding="utf-8"?>
+<p:sld xmlns:a="http://schemas.openxmlformats.org/drawingml/2006/main" xmlns:r="http://schemas.openxmlformats.org/officeDocument/2006/relationships" xmlns:p="http://schemas.openxmlformats.org/presentationml/2006/main">
+  <p:cSld>
+    <p:spTree>
+      <p:nvGrpSpPr>
+        <p:cNvPr id="1" name=""/>
+        <p:cNvGrpSpPr/>
+        <p:nvPr/>
+      </p:nvGrpSpPr>
+      <p:grpSpPr>
+        <a:xfrm>
+          <a:off x="0" y="0"/>
+          <a:ext cx="0" cy="0"/>
+          <a:chOff x="0" y="0"/>
+          <a:chExt cx="0" cy="0"/>
+        </a:xfrm>
+      </p:grpSpPr>
+      <p:pic>
+        <p:nvPicPr>
+          <p:cNvPr id="1026" name="Picture 2" descr="Simple Flask Pagination. Here is a simple step-by-step tutorial… | by  Mclordemuraishe | Better Programming | Oct, 2020 | Medium">
+            <a:extLst>
+              <a:ext uri="{FF2B5EF4-FFF2-40B4-BE49-F238E27FC236}">
+                <a16:creationId xmlns:a16="http://schemas.microsoft.com/office/drawing/2014/main" id="{3F58E531-F817-4B94-9938-4C9C8579E0B7}"/>
+              </a:ext>
+            </a:extLst>
+          </p:cNvPr>
+          <p:cNvPicPr>
+            <a:picLocks noChangeAspect="1" noChangeArrowheads="1"/>
+          </p:cNvPicPr>
+          <p:nvPr/>
+        </p:nvPicPr>
         <p:blipFill>
-          <a:blip r:embed="rId2"/>
+          <a:blip r:embed="rId2">
+            <a:extLst>
+              <a:ext uri="{28A0092B-C50C-407E-A947-70E740481C1C}">
+                <a14:useLocalDpi xmlns:a14="http://schemas.microsoft.com/office/drawing/2010/main" val="0"/>
+              </a:ext>
+            </a:extLst>
+          </a:blip>
+          <a:srcRect/>
           <a:stretch>
             <a:fillRect/>
           </a:stretch>
         </p:blipFill>
-        <p:spPr>
-          <a:xfrm>
-            <a:off x="-163513" y="42670"/>
-            <a:ext cx="6829425" cy="3581400"/>
+        <p:spPr bwMode="auto">
+          <a:xfrm>
+            <a:off x="4010025" y="2641918"/>
+            <a:ext cx="4171950" cy="2333625"/>
           </a:xfrm>
           <a:prstGeom prst="rect">
             <a:avLst/>
           </a:prstGeom>
+          <a:noFill/>
+          <a:extLst>
+            <a:ext uri="{909E8E84-426E-40DD-AFC4-6F175D3DCCD1}">
+              <a14:hiddenFill xmlns:a14="http://schemas.microsoft.com/office/drawing/2010/main">
+                <a:solidFill>
+                  <a:srgbClr val="FFFFFF"/>
+                </a:solidFill>
+              </a14:hiddenFill>
+            </a:ext>
+          </a:extLst>
         </p:spPr>
       </p:pic>
+      <p:pic>
+        <p:nvPicPr>
+          <p:cNvPr id="1028" name="Picture 4" descr="Plotly - Wikipedia">
+            <a:extLst>
+              <a:ext uri="{FF2B5EF4-FFF2-40B4-BE49-F238E27FC236}">
+                <a16:creationId xmlns:a16="http://schemas.microsoft.com/office/drawing/2014/main" id="{7EBBFCFB-44FE-4C3E-90E2-F84BF41DDAA3}"/>
+              </a:ext>
+            </a:extLst>
+          </p:cNvPr>
+          <p:cNvPicPr>
+            <a:picLocks noChangeAspect="1" noChangeArrowheads="1"/>
+          </p:cNvPicPr>
+          <p:nvPr/>
+        </p:nvPicPr>
+        <p:blipFill>
+          <a:blip r:embed="rId3">
+            <a:extLst>
+              <a:ext uri="{28A0092B-C50C-407E-A947-70E740481C1C}">
+                <a14:useLocalDpi xmlns:a14="http://schemas.microsoft.com/office/drawing/2010/main" val="0"/>
+              </a:ext>
+            </a:extLst>
+          </a:blip>
+          <a:srcRect/>
+          <a:stretch>
+            <a:fillRect/>
+          </a:stretch>
+        </p:blipFill>
+        <p:spPr bwMode="auto">
+          <a:xfrm>
+            <a:off x="159068" y="967105"/>
+            <a:ext cx="3705225" cy="1228725"/>
+          </a:xfrm>
+          <a:prstGeom prst="rect">
+            <a:avLst/>
+          </a:prstGeom>
+          <a:noFill/>
+          <a:extLst>
+            <a:ext uri="{909E8E84-426E-40DD-AFC4-6F175D3DCCD1}">
+              <a14:hiddenFill xmlns:a14="http://schemas.microsoft.com/office/drawing/2010/main">
+                <a:solidFill>
+                  <a:srgbClr val="FFFFFF"/>
+                </a:solidFill>
+              </a14:hiddenFill>
+            </a:ext>
+          </a:extLst>
+        </p:spPr>
+      </p:pic>
+      <p:pic>
+        <p:nvPicPr>
+          <p:cNvPr id="1030" name="Picture 6" descr="Microsoft PowerPoint 2016 - Review 2016 - PCMag India">
+            <a:extLst>
+              <a:ext uri="{FF2B5EF4-FFF2-40B4-BE49-F238E27FC236}">
+                <a16:creationId xmlns:a16="http://schemas.microsoft.com/office/drawing/2014/main" id="{1F7AA1EF-B1F3-4CAE-8919-269C7D1F08C1}"/>
+              </a:ext>
+            </a:extLst>
+          </p:cNvPr>
+          <p:cNvPicPr>
+            <a:picLocks noChangeAspect="1" noChangeArrowheads="1"/>
+          </p:cNvPicPr>
+          <p:nvPr/>
+        </p:nvPicPr>
+        <p:blipFill>
+          <a:blip r:embed="rId4">
+            <a:extLst>
+              <a:ext uri="{28A0092B-C50C-407E-A947-70E740481C1C}">
+                <a14:useLocalDpi xmlns:a14="http://schemas.microsoft.com/office/drawing/2010/main" val="0"/>
+              </a:ext>
+            </a:extLst>
+          </a:blip>
+          <a:srcRect/>
+          <a:stretch>
+            <a:fillRect/>
+          </a:stretch>
+        </p:blipFill>
+        <p:spPr bwMode="auto">
+          <a:xfrm>
+            <a:off x="159068" y="3797300"/>
+            <a:ext cx="2847975" cy="1600200"/>
+          </a:xfrm>
+          <a:prstGeom prst="rect">
+            <a:avLst/>
+          </a:prstGeom>
+          <a:noFill/>
+          <a:extLst>
+            <a:ext uri="{909E8E84-426E-40DD-AFC4-6F175D3DCCD1}">
+              <a14:hiddenFill xmlns:a14="http://schemas.microsoft.com/office/drawing/2010/main">
+                <a:solidFill>
+                  <a:srgbClr val="FFFFFF"/>
+                </a:solidFill>
+              </a14:hiddenFill>
+            </a:ext>
+          </a:extLst>
+        </p:spPr>
+      </p:pic>
+      <p:pic>
+        <p:nvPicPr>
+          <p:cNvPr id="1032" name="Picture 8" descr="DataStax Astra Status">
+            <a:extLst>
+              <a:ext uri="{FF2B5EF4-FFF2-40B4-BE49-F238E27FC236}">
+                <a16:creationId xmlns:a16="http://schemas.microsoft.com/office/drawing/2014/main" id="{63A2AEE1-AA18-4DE9-9759-CDBBEE221AE7}"/>
+              </a:ext>
+            </a:extLst>
+          </p:cNvPr>
+          <p:cNvPicPr>
+            <a:picLocks noChangeAspect="1" noChangeArrowheads="1"/>
+          </p:cNvPicPr>
+          <p:nvPr/>
+        </p:nvPicPr>
+        <p:blipFill>
+          <a:blip r:embed="rId5">
+            <a:extLst>
+              <a:ext uri="{28A0092B-C50C-407E-A947-70E740481C1C}">
+                <a14:useLocalDpi xmlns:a14="http://schemas.microsoft.com/office/drawing/2010/main" val="0"/>
+              </a:ext>
+            </a:extLst>
+          </a:blip>
+          <a:srcRect/>
+          <a:stretch>
+            <a:fillRect/>
+          </a:stretch>
+        </p:blipFill>
+        <p:spPr bwMode="auto">
+          <a:xfrm>
+            <a:off x="6419215" y="262573"/>
+            <a:ext cx="3905250" cy="1171575"/>
+          </a:xfrm>
+          <a:prstGeom prst="rect">
+            <a:avLst/>
+          </a:prstGeom>
+          <a:noFill/>
+          <a:extLst>
+            <a:ext uri="{909E8E84-426E-40DD-AFC4-6F175D3DCCD1}">
+              <a14:hiddenFill xmlns:a14="http://schemas.microsoft.com/office/drawing/2010/main">
+                <a:solidFill>
+                  <a:srgbClr val="FFFFFF"/>
+                </a:solidFill>
+              </a14:hiddenFill>
+            </a:ext>
+          </a:extLst>
+        </p:spPr>
+      </p:pic>
+      <p:pic>
+        <p:nvPicPr>
+          <p:cNvPr id="1034" name="Picture 10">
+            <a:extLst>
+              <a:ext uri="{FF2B5EF4-FFF2-40B4-BE49-F238E27FC236}">
+                <a16:creationId xmlns:a16="http://schemas.microsoft.com/office/drawing/2014/main" id="{7CFA0F3F-7619-4C56-A777-421EE25B46B0}"/>
+              </a:ext>
+            </a:extLst>
+          </p:cNvPr>
+          <p:cNvPicPr>
+            <a:picLocks noChangeAspect="1" noChangeArrowheads="1"/>
+          </p:cNvPicPr>
+          <p:nvPr/>
+        </p:nvPicPr>
+        <p:blipFill>
+          <a:blip r:embed="rId6">
+            <a:extLst>
+              <a:ext uri="{28A0092B-C50C-407E-A947-70E740481C1C}">
+                <a14:useLocalDpi xmlns:a14="http://schemas.microsoft.com/office/drawing/2010/main" val="0"/>
+              </a:ext>
+            </a:extLst>
+          </a:blip>
+          <a:srcRect/>
+          <a:stretch>
+            <a:fillRect/>
+          </a:stretch>
+        </p:blipFill>
+        <p:spPr bwMode="auto">
+          <a:xfrm>
+            <a:off x="9451975" y="3600768"/>
+            <a:ext cx="2143125" cy="2143125"/>
+          </a:xfrm>
+          <a:prstGeom prst="rect">
+            <a:avLst/>
+          </a:prstGeom>
+          <a:noFill/>
+          <a:extLst>
+            <a:ext uri="{909E8E84-426E-40DD-AFC4-6F175D3DCCD1}">
+              <a14:hiddenFill xmlns:a14="http://schemas.microsoft.com/office/drawing/2010/main">
+                <a:solidFill>
+                  <a:srgbClr val="FFFFFF"/>
+                </a:solidFill>
+              </a14:hiddenFill>
+            </a:ext>
+          </a:extLst>
+        </p:spPr>
+      </p:pic>
+      <p:cxnSp>
+        <p:nvCxnSpPr>
+          <p:cNvPr id="3" name="Straight Arrow Connector 2">
+            <a:extLst>
+              <a:ext uri="{FF2B5EF4-FFF2-40B4-BE49-F238E27FC236}">
+                <a16:creationId xmlns:a16="http://schemas.microsoft.com/office/drawing/2014/main" id="{36B30225-E06E-4A69-A8CE-B6E7650489FA}"/>
+              </a:ext>
+            </a:extLst>
+          </p:cNvPr>
+          <p:cNvCxnSpPr/>
+          <p:nvPr/>
+        </p:nvCxnSpPr>
+        <p:spPr>
+          <a:xfrm>
+            <a:off x="3180080" y="2296160"/>
+            <a:ext cx="684213" cy="548640"/>
+          </a:xfrm>
+          <a:prstGeom prst="straightConnector1">
+            <a:avLst/>
+          </a:prstGeom>
+          <a:ln>
+            <a:headEnd type="triangle"/>
+            <a:tailEnd type="triangle"/>
+          </a:ln>
+        </p:spPr>
+        <p:style>
+          <a:lnRef idx="1">
+            <a:schemeClr val="accent1"/>
+          </a:lnRef>
+          <a:fillRef idx="0">
+            <a:schemeClr val="accent1"/>
+          </a:fillRef>
+          <a:effectRef idx="0">
+            <a:schemeClr val="accent1"/>
+          </a:effectRef>
+          <a:fontRef idx="minor">
+            <a:schemeClr val="tx1"/>
+          </a:fontRef>
+        </p:style>
+      </p:cxnSp>
+      <p:cxnSp>
+        <p:nvCxnSpPr>
+          <p:cNvPr id="9" name="Straight Arrow Connector 8">
+            <a:extLst>
+              <a:ext uri="{FF2B5EF4-FFF2-40B4-BE49-F238E27FC236}">
+                <a16:creationId xmlns:a16="http://schemas.microsoft.com/office/drawing/2014/main" id="{DA461F7F-EDEF-4078-B130-C5CF7B3C4379}"/>
+              </a:ext>
+            </a:extLst>
+          </p:cNvPr>
+          <p:cNvCxnSpPr>
+            <a:cxnSpLocks/>
+          </p:cNvCxnSpPr>
+          <p:nvPr/>
+        </p:nvCxnSpPr>
+        <p:spPr>
+          <a:xfrm flipV="1">
+            <a:off x="2740025" y="4029075"/>
+            <a:ext cx="1124268" cy="635001"/>
+          </a:xfrm>
+          <a:prstGeom prst="straightConnector1">
+            <a:avLst/>
+          </a:prstGeom>
+          <a:ln>
+            <a:headEnd type="triangle"/>
+            <a:tailEnd type="triangle"/>
+          </a:ln>
+        </p:spPr>
+        <p:style>
+          <a:lnRef idx="1">
+            <a:schemeClr val="accent1"/>
+          </a:lnRef>
+          <a:fillRef idx="0">
+            <a:schemeClr val="accent1"/>
+          </a:fillRef>
+          <a:effectRef idx="0">
+            <a:schemeClr val="accent1"/>
+          </a:effectRef>
+          <a:fontRef idx="minor">
+            <a:schemeClr val="tx1"/>
+          </a:fontRef>
+        </p:style>
+      </p:cxnSp>
+      <p:cxnSp>
+        <p:nvCxnSpPr>
+          <p:cNvPr id="12" name="Straight Arrow Connector 11">
+            <a:extLst>
+              <a:ext uri="{FF2B5EF4-FFF2-40B4-BE49-F238E27FC236}">
+                <a16:creationId xmlns:a16="http://schemas.microsoft.com/office/drawing/2014/main" id="{CC4DDE64-1BA5-4B91-90F5-5DF38915AD5F}"/>
+              </a:ext>
+            </a:extLst>
+          </p:cNvPr>
+          <p:cNvCxnSpPr>
+            <a:cxnSpLocks/>
+          </p:cNvCxnSpPr>
+          <p:nvPr/>
+        </p:nvCxnSpPr>
+        <p:spPr>
+          <a:xfrm flipH="1" flipV="1">
+            <a:off x="7753350" y="1581468"/>
+            <a:ext cx="1924050" cy="1714183"/>
+          </a:xfrm>
+          <a:prstGeom prst="straightConnector1">
+            <a:avLst/>
+          </a:prstGeom>
+          <a:ln>
+            <a:headEnd type="triangle"/>
+            <a:tailEnd type="triangle"/>
+          </a:ln>
+        </p:spPr>
+        <p:style>
+          <a:lnRef idx="1">
+            <a:schemeClr val="accent1"/>
+          </a:lnRef>
+          <a:fillRef idx="0">
+            <a:schemeClr val="accent1"/>
+          </a:fillRef>
+          <a:effectRef idx="0">
+            <a:schemeClr val="accent1"/>
+          </a:effectRef>
+          <a:fontRef idx="minor">
+            <a:schemeClr val="tx1"/>
+          </a:fontRef>
+        </p:style>
+      </p:cxnSp>
+      <p:cxnSp>
+        <p:nvCxnSpPr>
+          <p:cNvPr id="15" name="Straight Arrow Connector 14">
+            <a:extLst>
+              <a:ext uri="{FF2B5EF4-FFF2-40B4-BE49-F238E27FC236}">
+                <a16:creationId xmlns:a16="http://schemas.microsoft.com/office/drawing/2014/main" id="{9550656A-046F-40AE-90B1-44349D656717}"/>
+              </a:ext>
+            </a:extLst>
+          </p:cNvPr>
+          <p:cNvCxnSpPr>
+            <a:cxnSpLocks/>
+          </p:cNvCxnSpPr>
+          <p:nvPr/>
+        </p:nvCxnSpPr>
+        <p:spPr>
+          <a:xfrm flipH="1" flipV="1">
+            <a:off x="7315200" y="4503421"/>
+            <a:ext cx="2000251" cy="168909"/>
+          </a:xfrm>
+          <a:prstGeom prst="straightConnector1">
+            <a:avLst/>
+          </a:prstGeom>
+          <a:ln>
+            <a:headEnd type="triangle"/>
+            <a:tailEnd type="triangle"/>
+          </a:ln>
+        </p:spPr>
+        <p:style>
+          <a:lnRef idx="1">
+            <a:schemeClr val="accent1"/>
+          </a:lnRef>
+          <a:fillRef idx="0">
+            <a:schemeClr val="accent1"/>
+          </a:fillRef>
+          <a:effectRef idx="0">
+            <a:schemeClr val="accent1"/>
+          </a:effectRef>
+          <a:fontRef idx="minor">
+            <a:schemeClr val="tx1"/>
+          </a:fontRef>
+        </p:style>
+      </p:cxnSp>
+      <p:sp>
+        <p:nvSpPr>
+          <p:cNvPr id="13" name="TextBox 12">
+            <a:extLst>
+              <a:ext uri="{FF2B5EF4-FFF2-40B4-BE49-F238E27FC236}">
+                <a16:creationId xmlns:a16="http://schemas.microsoft.com/office/drawing/2014/main" id="{B9E5D323-A0D7-4583-B63B-4894C8719618}"/>
+              </a:ext>
+            </a:extLst>
+          </p:cNvPr>
+          <p:cNvSpPr txBox="1"/>
+          <p:nvPr/>
+        </p:nvSpPr>
+        <p:spPr>
+          <a:xfrm>
+            <a:off x="419100" y="262573"/>
+            <a:ext cx="3324225" cy="369332"/>
+          </a:xfrm>
+          <a:prstGeom prst="rect">
+            <a:avLst/>
+          </a:prstGeom>
+          <a:noFill/>
+        </p:spPr>
+        <p:txBody>
+          <a:bodyPr wrap="square" rtlCol="0">
+            <a:spAutoFit/>
+          </a:bodyPr>
+          <a:lstStyle/>
+          <a:p>
+            <a:r>
+              <a:rPr lang="en-US" dirty="0"/>
+              <a:t>Front End</a:t>
+            </a:r>
+          </a:p>
+        </p:txBody>
+      </p:sp>
+      <p:cxnSp>
+        <p:nvCxnSpPr>
+          <p:cNvPr id="20" name="Straight Arrow Connector 19">
+            <a:extLst>
+              <a:ext uri="{FF2B5EF4-FFF2-40B4-BE49-F238E27FC236}">
+                <a16:creationId xmlns:a16="http://schemas.microsoft.com/office/drawing/2014/main" id="{895103D7-BDE8-4D46-9D90-21D048D74745}"/>
+              </a:ext>
+            </a:extLst>
+          </p:cNvPr>
+          <p:cNvCxnSpPr/>
+          <p:nvPr/>
+        </p:nvCxnSpPr>
+        <p:spPr>
+          <a:xfrm>
+            <a:off x="3332480" y="2448560"/>
+            <a:ext cx="684213" cy="548640"/>
+          </a:xfrm>
+          <a:prstGeom prst="straightConnector1">
+            <a:avLst/>
+          </a:prstGeom>
+          <a:ln>
+            <a:headEnd type="triangle"/>
+            <a:tailEnd type="triangle"/>
+          </a:ln>
+        </p:spPr>
+        <p:style>
+          <a:lnRef idx="1">
+            <a:schemeClr val="accent1"/>
+          </a:lnRef>
+          <a:fillRef idx="0">
+            <a:schemeClr val="accent1"/>
+          </a:fillRef>
+          <a:effectRef idx="0">
+            <a:schemeClr val="accent1"/>
+          </a:effectRef>
+          <a:fontRef idx="minor">
+            <a:schemeClr val="tx1"/>
+          </a:fontRef>
+        </p:style>
+      </p:cxnSp>
+      <p:sp>
+        <p:nvSpPr>
+          <p:cNvPr id="21" name="TextBox 20">
+            <a:extLst>
+              <a:ext uri="{FF2B5EF4-FFF2-40B4-BE49-F238E27FC236}">
+                <a16:creationId xmlns:a16="http://schemas.microsoft.com/office/drawing/2014/main" id="{035E65E3-5805-472C-8FDD-1CA52A6E9C6A}"/>
+              </a:ext>
+            </a:extLst>
+          </p:cNvPr>
+          <p:cNvSpPr txBox="1"/>
+          <p:nvPr/>
+        </p:nvSpPr>
+        <p:spPr>
+          <a:xfrm>
+            <a:off x="3990975" y="1733669"/>
+            <a:ext cx="3324225" cy="369332"/>
+          </a:xfrm>
+          <a:prstGeom prst="rect">
+            <a:avLst/>
+          </a:prstGeom>
+          <a:noFill/>
+        </p:spPr>
+        <p:txBody>
+          <a:bodyPr wrap="square" rtlCol="0">
+            <a:spAutoFit/>
+          </a:bodyPr>
+          <a:lstStyle/>
+          <a:p>
+            <a:r>
+              <a:rPr lang="en-US" dirty="0"/>
+              <a:t>Provider</a:t>
+            </a:r>
+          </a:p>
+        </p:txBody>
+      </p:sp>
+      <p:sp>
+        <p:nvSpPr>
+          <p:cNvPr id="22" name="TextBox 21">
+            <a:extLst>
+              <a:ext uri="{FF2B5EF4-FFF2-40B4-BE49-F238E27FC236}">
+                <a16:creationId xmlns:a16="http://schemas.microsoft.com/office/drawing/2014/main" id="{A8FBAD6C-5249-4680-A891-9047B8DE2BD5}"/>
+              </a:ext>
+            </a:extLst>
+          </p:cNvPr>
+          <p:cNvSpPr txBox="1"/>
+          <p:nvPr/>
+        </p:nvSpPr>
+        <p:spPr>
+          <a:xfrm>
+            <a:off x="10267949" y="234951"/>
+            <a:ext cx="1985963" cy="646331"/>
+          </a:xfrm>
+          <a:prstGeom prst="rect">
+            <a:avLst/>
+          </a:prstGeom>
+          <a:noFill/>
+        </p:spPr>
+        <p:txBody>
+          <a:bodyPr wrap="square" rtlCol="0">
+            <a:spAutoFit/>
+          </a:bodyPr>
+          <a:lstStyle/>
+          <a:p>
+            <a:r>
+              <a:rPr lang="en-US" dirty="0"/>
+              <a:t>Backend + </a:t>
+            </a:r>
+          </a:p>
+          <a:p>
+            <a:r>
+              <a:rPr lang="en-US" dirty="0"/>
+              <a:t>Financial Model</a:t>
+            </a:r>
+          </a:p>
+        </p:txBody>
+      </p:sp>
     </p:spTree>
     <p:extLst>
       <p:ext uri="{BB962C8B-B14F-4D97-AF65-F5344CB8AC3E}">
-        <p14:creationId xmlns:p14="http://schemas.microsoft.com/office/powerpoint/2010/main" val="561100594"/>
+        <p14:creationId xmlns:p14="http://schemas.microsoft.com/office/powerpoint/2010/main" val="1409099176"/>
       </p:ext>
     </p:extLst>
   </p:cSld>
